--- a/06-최종산출물/AWS 구성도 ver 0.4.pptx
+++ b/06-최종산출물/AWS 구성도 ver 0.4.pptx
@@ -1,18 +1,18 @@
 
 <file path=ppt/presentation.xml><?xml version="1.0" encoding="utf-8"?>
-<p:presentation xmlns:a="http://schemas.openxmlformats.org/drawingml/2006/main" xmlns:r="http://schemas.openxmlformats.org/officeDocument/2006/relationships" xmlns:p="http://schemas.openxmlformats.org/presentationml/2006/main">
+<p:presentation xmlns:r="http://schemas.openxmlformats.org/officeDocument/2006/relationships" xmlns:c="http://schemas.openxmlformats.org/drawingml/2006/chart" xmlns:a="http://schemas.openxmlformats.org/drawingml/2006/main" xmlns:dgm="http://schemas.openxmlformats.org/drawingml/2006/diagram" xmlns:dsp="http://schemas.microsoft.com/office/drawing/2008/diagram" xmlns:p="http://schemas.openxmlformats.org/presentationml/2006/main">
   <p:sldMasterIdLst>
-    <p:sldMasterId id="2147483718" r:id="rId1"/>
+    <p:sldMasterId id="2147483721" r:id="rId1"/>
   </p:sldMasterIdLst>
   <p:notesMasterIdLst>
-    <p:notesMasterId r:id="rId7"/>
+    <p:notesMasterId r:id="rId2"/>
   </p:notesMasterIdLst>
   <p:sldIdLst>
-    <p:sldId id="256" r:id="rId2"/>
-    <p:sldId id="258" r:id="rId3"/>
-    <p:sldId id="259" r:id="rId4"/>
-    <p:sldId id="267" r:id="rId5"/>
-    <p:sldId id="270" r:id="rId6"/>
+    <p:sldId id="256" r:id="rId3"/>
+    <p:sldId id="258" r:id="rId4"/>
+    <p:sldId id="259" r:id="rId5"/>
+    <p:sldId id="267" r:id="rId6"/>
+    <p:sldId id="270" r:id="rId7"/>
   </p:sldIdLst>
   <p:sldSz cx="12192000" cy="6858000"/>
   <p:notesSz cx="6858000" cy="9144000"/>
@@ -111,37 +111,11 @@
       </a:defRPr>
     </a:lvl9pPr>
   </p:defaultTextStyle>
-  <p:extLst>
-    <p:ext uri="{EFAFB233-063F-42B5-8137-9DF3F51BA10A}">
-      <p15:sldGuideLst xmlns:p15="http://schemas.microsoft.com/office/powerpoint/2012/main">
-        <p15:guide id="1" orient="horz" pos="2158">
-          <p15:clr>
-            <a:srgbClr val="A4A3A4"/>
-          </p15:clr>
-        </p15:guide>
-        <p15:guide id="2" pos="3839">
-          <p15:clr>
-            <a:srgbClr val="A4A3A4"/>
-          </p15:clr>
-        </p15:guide>
-      </p15:sldGuideLst>
-    </p:ext>
-  </p:extLst>
 </p:presentation>
 </file>
 
-<file path=ppt/revisionInfo.xml><?xml version="1.0" encoding="utf-8"?>
-<p1510:revInfo xmlns:a="http://schemas.openxmlformats.org/drawingml/2006/main" xmlns:r="http://schemas.openxmlformats.org/officeDocument/2006/relationships" xmlns:p1510="http://schemas.microsoft.com/office/powerpoint/2015/10/main">
-  <p1510:revLst>
-    <p1510:client id="{0D4355FB-7CCE-411E-B7BD-99BCCAC16ACC}" v="220" dt="2022-03-16T08:10:34.283"/>
-    <p1510:client id="{2BAF50C6-2EC8-42A7-AF6A-876ADE746C9D}" v="33" dt="2022-03-16T06:40:31.678"/>
-    <p1510:client id="{76397E5A-0C84-4E8C-876D-229439D948F3}" v="56" dt="2022-03-17T02:25:49.414"/>
-  </p1510:revLst>
-</p1510:revInfo>
-</file>
-
 <file path=ppt/notesMasters/notesMaster1.xml><?xml version="1.0" encoding="utf-8"?>
-<p:notesMaster xmlns:a="http://schemas.openxmlformats.org/drawingml/2006/main" xmlns:r="http://schemas.openxmlformats.org/officeDocument/2006/relationships" xmlns:p="http://schemas.openxmlformats.org/presentationml/2006/main">
+<p:notesMaster xmlns:r="http://schemas.openxmlformats.org/officeDocument/2006/relationships" xmlns:c="http://schemas.openxmlformats.org/drawingml/2006/chart" xmlns:a="http://schemas.openxmlformats.org/drawingml/2006/main" xmlns:dgm="http://schemas.openxmlformats.org/drawingml/2006/diagram" xmlns:dsp="http://schemas.microsoft.com/office/drawing/2008/diagram" xmlns:p="http://schemas.openxmlformats.org/presentationml/2006/main">
   <p:cSld>
     <p:bg>
       <p:bgRef idx="1001">
@@ -169,7 +143,7 @@
             <a:spLocks noGrp="1"/>
           </p:cNvSpPr>
           <p:nvPr>
-            <p:ph type="hdr" sz="quarter"/>
+            <p:ph type="hdr" sz="quarter" idx="0"/>
           </p:nvPr>
         </p:nvSpPr>
         <p:spPr>
@@ -192,6 +166,10 @@
             <a:pPr lvl="0">
               <a:defRPr/>
             </a:pPr>
+            <a:r>
+              <a:rPr lang="ko-KR" altLang="en-US"/>
+              <a:t/>
+            </a:r>
             <a:endParaRPr lang="ko-KR" altLang="en-US"/>
           </a:p>
         </p:txBody>
@@ -231,7 +209,7 @@
               <a:pPr lvl="0">
                 <a:defRPr/>
               </a:pPr>
-              <a:t>2022-03-16</a:t>
+              <a:t>2022-03-18</a:t>
             </a:fld>
             <a:endParaRPr lang="ko-KR" altLang="en-US"/>
           </a:p>
@@ -305,6 +283,7 @@
               <a:rPr lang="ko-KR" altLang="en-US"/>
               <a:t>마스터 텍스트 스타일을 편집합니다</a:t>
             </a:r>
+            <a:endParaRPr lang="ko-KR" altLang="en-US"/>
           </a:p>
           <a:p>
             <a:pPr lvl="1">
@@ -314,6 +293,7 @@
               <a:rPr lang="ko-KR" altLang="en-US"/>
               <a:t>둘째 수준</a:t>
             </a:r>
+            <a:endParaRPr lang="ko-KR" altLang="en-US"/>
           </a:p>
           <a:p>
             <a:pPr lvl="2">
@@ -323,6 +303,7 @@
               <a:rPr lang="ko-KR" altLang="en-US"/>
               <a:t>셋째 수준</a:t>
             </a:r>
+            <a:endParaRPr lang="ko-KR" altLang="en-US"/>
           </a:p>
           <a:p>
             <a:pPr lvl="3">
@@ -332,6 +313,7 @@
               <a:rPr lang="ko-KR" altLang="en-US"/>
               <a:t>넷째 수준</a:t>
             </a:r>
+            <a:endParaRPr lang="ko-KR" altLang="en-US"/>
           </a:p>
           <a:p>
             <a:pPr lvl="4">
@@ -341,6 +323,7 @@
               <a:rPr lang="ko-KR" altLang="en-US"/>
               <a:t>다섯째 수준</a:t>
             </a:r>
+            <a:endParaRPr lang="ko-KR" altLang="en-US"/>
           </a:p>
         </p:txBody>
       </p:sp>
@@ -374,6 +357,10 @@
             <a:pPr lvl="0">
               <a:defRPr/>
             </a:pPr>
+            <a:r>
+              <a:rPr lang="ko-KR" altLang="en-US"/>
+              <a:t/>
+            </a:r>
             <a:endParaRPr lang="ko-KR" altLang="en-US"/>
           </a:p>
         </p:txBody>
@@ -519,7 +506,7 @@
 </file>
 
 <file path=ppt/notesSlides/notesSlide1.xml><?xml version="1.0" encoding="utf-8"?>
-<p:notes xmlns:a="http://schemas.openxmlformats.org/drawingml/2006/main" xmlns:r="http://schemas.openxmlformats.org/officeDocument/2006/relationships" xmlns:p="http://schemas.openxmlformats.org/presentationml/2006/main">
+<p:notes xmlns:r="http://schemas.openxmlformats.org/officeDocument/2006/relationships" xmlns:c="http://schemas.openxmlformats.org/drawingml/2006/chart" xmlns:a="http://schemas.openxmlformats.org/drawingml/2006/main" xmlns:dgm="http://schemas.openxmlformats.org/drawingml/2006/diagram" xmlns:dsp="http://schemas.microsoft.com/office/drawing/2008/diagram" xmlns:p="http://schemas.openxmlformats.org/presentationml/2006/main">
   <p:cSld>
     <p:spTree>
       <p:nvGrpSpPr>
@@ -575,6 +562,10 @@
             <a:pPr>
               <a:defRPr/>
             </a:pPr>
+            <a:r>
+              <a:rPr lang="ko-KR" altLang="en-US"/>
+              <a:t/>
+            </a:r>
             <a:endParaRPr lang="ko-KR" altLang="en-US"/>
           </a:p>
         </p:txBody>
@@ -5312,7 +5303,7 @@
 </file>
 
 <file path=ppt/slides/slide5.xml><?xml version="1.0" encoding="utf-8"?>
-<p:sld xmlns:a="http://schemas.openxmlformats.org/drawingml/2006/main" xmlns:r="http://schemas.openxmlformats.org/officeDocument/2006/relationships" xmlns:p="http://schemas.openxmlformats.org/presentationml/2006/main">
+<p:sld xmlns:r="http://schemas.openxmlformats.org/officeDocument/2006/relationships" xmlns:c="http://schemas.openxmlformats.org/drawingml/2006/chart" xmlns:a="http://schemas.openxmlformats.org/drawingml/2006/main" xmlns:dgm="http://schemas.openxmlformats.org/drawingml/2006/diagram" xmlns:dsp="http://schemas.microsoft.com/office/drawing/2008/diagram" xmlns:p="http://schemas.openxmlformats.org/presentationml/2006/main">
   <p:cSld>
     <p:spTree>
       <p:nvGrpSpPr>
@@ -5389,6 +5380,14 @@
               </a:rPr>
               <a:t>AWS Cloud</a:t>
             </a:r>
+            <a:endParaRPr lang="en-US" sz="1200">
+              <a:solidFill>
+                <a:sysClr val="windowText" lastClr="000000"/>
+              </a:solidFill>
+              <a:latin typeface="Arial"/>
+              <a:ea typeface="+mn-ea"/>
+              <a:cs typeface="Arial"/>
+            </a:endParaRPr>
           </a:p>
         </p:txBody>
       </p:sp>
@@ -5434,7 +5433,7 @@
           <a:noFill/>
           <a:ln w="12700">
             <a:solidFill>
-              <a:srgbClr val="5B9CD5"/>
+              <a:srgbClr val="5b9cd5"/>
             </a:solidFill>
             <a:prstDash val="sysDash"/>
           </a:ln>
@@ -5471,7 +5470,7 @@
             <a:r>
               <a:rPr lang="en-US" sz="1200">
                 <a:solidFill>
-                  <a:srgbClr val="5B9CD5"/>
+                  <a:srgbClr val="5b9cd5"/>
                 </a:solidFill>
                 <a:latin typeface="Arial"/>
                 <a:ea typeface="+mn-ea"/>
@@ -5479,6 +5478,14 @@
               </a:rPr>
               <a:t>Region</a:t>
             </a:r>
+            <a:endParaRPr lang="en-US" sz="1200">
+              <a:solidFill>
+                <a:srgbClr val="5b9cd5"/>
+              </a:solidFill>
+              <a:latin typeface="Arial"/>
+              <a:ea typeface="+mn-ea"/>
+              <a:cs typeface="Arial"/>
+            </a:endParaRPr>
           </a:p>
         </p:txBody>
       </p:sp>
@@ -5523,7 +5530,7 @@
           <a:noFill/>
           <a:ln w="12700">
             <a:solidFill>
-              <a:srgbClr val="D86613"/>
+              <a:srgbClr val="d86613"/>
             </a:solidFill>
           </a:ln>
         </p:spPr>
@@ -5559,7 +5566,7 @@
             <a:r>
               <a:rPr lang="en-US" sz="1200">
                 <a:solidFill>
-                  <a:srgbClr val="D86613"/>
+                  <a:srgbClr val="d86613"/>
                 </a:solidFill>
                 <a:latin typeface="Arial"/>
                 <a:ea typeface="+mn-ea"/>
@@ -5567,6 +5574,14 @@
               </a:rPr>
               <a:t>Elastic Beanstalk container</a:t>
             </a:r>
+            <a:endParaRPr lang="en-US" sz="1200">
+              <a:solidFill>
+                <a:srgbClr val="d86613"/>
+              </a:solidFill>
+              <a:latin typeface="Arial"/>
+              <a:ea typeface="+mn-ea"/>
+              <a:cs typeface="Arial"/>
+            </a:endParaRPr>
           </a:p>
         </p:txBody>
       </p:sp>
@@ -5667,7 +5682,7 @@
             <a:avLst/>
           </a:prstGeom>
           <a:solidFill>
-            <a:srgbClr val="007CBC">
+            <a:srgbClr val="007cbc">
               <a:alpha val="9800"/>
             </a:srgbClr>
           </a:solidFill>
@@ -5702,7 +5717,7 @@
             <a:r>
               <a:rPr lang="en-US" sz="1200">
                 <a:solidFill>
-                  <a:srgbClr val="5B9CD5"/>
+                  <a:srgbClr val="5b9cd5"/>
                 </a:solidFill>
                 <a:latin typeface="Arial"/>
                 <a:ea typeface="+mn-ea"/>
@@ -5713,16 +5728,16 @@
             <a:r>
               <a:rPr lang="en-US" sz="1200">
                 <a:solidFill>
-                  <a:srgbClr val="5B9CD5"/>
+                  <a:srgbClr val="5b9cd5"/>
                 </a:solidFill>
                 <a:latin typeface="Arial"/>
                 <a:cs typeface="Arial"/>
               </a:rPr>
-              <a:t>subnet – WAS</a:t>
+              <a:t>subnet </a:t>
             </a:r>
             <a:endParaRPr lang="en-US" sz="1200">
               <a:solidFill>
-                <a:srgbClr val="5B9CD5"/>
+                <a:srgbClr val="5b9cd5"/>
               </a:solidFill>
               <a:latin typeface="Arial"/>
               <a:ea typeface="+mn-ea"/>
@@ -5830,7 +5845,7 @@
         </p:blipFill>
         <p:spPr>
           <a:xfrm>
-            <a:off x="6766296" y="3225660"/>
+            <a:off x="6785935" y="3200400"/>
             <a:ext cx="457200" cy="457200"/>
           </a:xfrm>
           <a:prstGeom prst="rect">
@@ -5917,7 +5932,7 @@
         </p:blipFill>
         <p:spPr>
           <a:xfrm flipH="1">
-            <a:off x="909314" y="1727406"/>
+            <a:off x="890264" y="1727406"/>
             <a:ext cx="469900" cy="469900"/>
           </a:xfrm>
           <a:prstGeom prst="rect">
@@ -5961,20 +5976,23 @@
       <p:cxnSp>
         <p:nvCxnSpPr>
           <p:cNvPr id="45" name="Straight Arrow Connector 8"/>
-          <p:cNvCxnSpPr/>
+          <p:cNvCxnSpPr>
+            <a:stCxn id="37" idx="2"/>
+            <a:endCxn id="52" idx="0"/>
+          </p:cNvCxnSpPr>
           <p:nvPr/>
         </p:nvCxnSpPr>
         <p:spPr>
-          <a:xfrm>
-            <a:off x="1110303" y="2214252"/>
-            <a:ext cx="4109" cy="1268675"/>
+          <a:xfrm rot="5400000">
+            <a:off x="300988" y="3012702"/>
+            <a:ext cx="1639622" cy="8830"/>
           </a:xfrm>
           <a:prstGeom prst="straightConnector1">
             <a:avLst/>
           </a:prstGeom>
           <a:ln w="12700">
             <a:solidFill>
-              <a:srgbClr val="545B64"/>
+              <a:srgbClr val="545b64"/>
             </a:solidFill>
             <a:headEnd w="med" len="sm"/>
             <a:tailEnd type="arrow" w="med" len="sm"/>
@@ -5998,20 +6016,23 @@
       <p:cxnSp>
         <p:nvCxnSpPr>
           <p:cNvPr id="46" name="Straight Arrow Connector 8"/>
-          <p:cNvCxnSpPr/>
+          <p:cNvCxnSpPr>
+            <a:stCxn id="52" idx="3"/>
+            <a:endCxn id="41" idx="1"/>
+          </p:cNvCxnSpPr>
           <p:nvPr/>
         </p:nvCxnSpPr>
         <p:spPr>
           <a:xfrm>
-            <a:off x="1323355" y="4090541"/>
-            <a:ext cx="1644650" cy="0"/>
+            <a:off x="1351334" y="4071878"/>
+            <a:ext cx="1569016" cy="31805"/>
           </a:xfrm>
           <a:prstGeom prst="straightConnector1">
             <a:avLst/>
           </a:prstGeom>
           <a:ln w="12700">
             <a:solidFill>
-              <a:srgbClr val="545B64"/>
+              <a:srgbClr val="545b64"/>
             </a:solidFill>
             <a:headEnd w="med" len="sm"/>
             <a:tailEnd type="arrow" w="med" len="sm"/>
@@ -6048,7 +6069,7 @@
         </p:blipFill>
         <p:spPr>
           <a:xfrm>
-            <a:off x="811289" y="5372228"/>
+            <a:off x="849683" y="5558505"/>
             <a:ext cx="540000" cy="540000"/>
           </a:xfrm>
           <a:prstGeom prst="rect">
@@ -6060,21 +6081,22 @@
         <p:nvCxnSpPr>
           <p:cNvPr id="76" name="Straight Arrow Connector 8"/>
           <p:cNvCxnSpPr>
-            <a:cxnSpLocks/>
+            <a:stCxn id="74" idx="0"/>
+            <a:endCxn id="52" idx="2"/>
           </p:cNvCxnSpPr>
           <p:nvPr/>
         </p:nvCxnSpPr>
         <p:spPr>
-          <a:xfrm flipV="1">
-            <a:off x="1042044" y="4297536"/>
-            <a:ext cx="25804" cy="935302"/>
+          <a:xfrm rot="16200000" flipV="1">
+            <a:off x="492195" y="4931017"/>
+            <a:ext cx="1251677" cy="3299"/>
           </a:xfrm>
           <a:prstGeom prst="straightConnector1">
             <a:avLst/>
           </a:prstGeom>
           <a:ln w="12700">
             <a:solidFill>
-              <a:srgbClr val="545B64"/>
+              <a:srgbClr val="545b64"/>
             </a:solidFill>
             <a:headEnd w="med" len="sm"/>
             <a:tailEnd type="arrow" w="med" len="sm"/>
@@ -6099,21 +6121,22 @@
         <p:nvCxnSpPr>
           <p:cNvPr id="50" name="Straight Arrow Connector 8"/>
           <p:cNvCxnSpPr>
-            <a:cxnSpLocks/>
+            <a:stCxn id="41" idx="3"/>
+            <a:endCxn id="42" idx="1"/>
           </p:cNvCxnSpPr>
           <p:nvPr/>
         </p:nvCxnSpPr>
         <p:spPr>
           <a:xfrm>
-            <a:off x="3374127" y="4115618"/>
-            <a:ext cx="3478921" cy="9248"/>
+            <a:off x="3377550" y="4103683"/>
+            <a:ext cx="3410449" cy="30476"/>
           </a:xfrm>
           <a:prstGeom prst="straightConnector1">
             <a:avLst/>
           </a:prstGeom>
           <a:ln w="12700">
             <a:solidFill>
-              <a:srgbClr val="545B64"/>
+              <a:srgbClr val="545b64"/>
             </a:solidFill>
             <a:headEnd w="med" len="sm"/>
             <a:tailEnd type="arrow" w="med" len="sm"/>
@@ -6138,14 +6161,15 @@
         <p:nvCxnSpPr>
           <p:cNvPr id="72" name="Elbow Connector 18"/>
           <p:cNvCxnSpPr>
-            <a:cxnSpLocks/>
+            <a:stCxn id="42" idx="2"/>
+            <a:endCxn id="70" idx="0"/>
           </p:cNvCxnSpPr>
           <p:nvPr/>
         </p:nvCxnSpPr>
         <p:spPr>
           <a:xfrm rot="5400000">
-            <a:off x="5609488" y="3306362"/>
-            <a:ext cx="358425" cy="2468150"/>
+            <a:off x="6012804" y="3948690"/>
+            <a:ext cx="589726" cy="1417864"/>
           </a:xfrm>
           <a:prstGeom prst="bentConnector3">
             <a:avLst>
@@ -6179,14 +6203,15 @@
         <p:nvCxnSpPr>
           <p:cNvPr id="64" name="Straight Arrow Connector 17"/>
           <p:cNvCxnSpPr>
-            <a:cxnSpLocks/>
+            <a:stCxn id="26" idx="2"/>
+            <a:endCxn id="42" idx="0"/>
           </p:cNvCxnSpPr>
           <p:nvPr/>
         </p:nvCxnSpPr>
         <p:spPr>
-          <a:xfrm>
-            <a:off x="7004187" y="3681000"/>
-            <a:ext cx="12412" cy="226418"/>
+          <a:xfrm rot="16200000" flipH="1">
+            <a:off x="6891587" y="3780547"/>
+            <a:ext cx="247959" cy="2064"/>
           </a:xfrm>
           <a:prstGeom prst="straightConnector1">
             <a:avLst/>
@@ -6222,14 +6247,14 @@
         </p:nvSpPr>
         <p:spPr>
           <a:xfrm>
-            <a:off x="3723312" y="4952485"/>
+            <a:off x="4538338" y="4952485"/>
             <a:ext cx="2120794" cy="1203987"/>
           </a:xfrm>
           <a:prstGeom prst="rect">
             <a:avLst/>
           </a:prstGeom>
           <a:solidFill>
-            <a:srgbClr val="1D8900">
+            <a:srgbClr val="1d8900">
               <a:alpha val="9800"/>
             </a:srgbClr>
           </a:solidFill>
@@ -6264,7 +6289,7 @@
             <a:r>
               <a:rPr lang="en-US" sz="1200">
                 <a:solidFill>
-                  <a:srgbClr val="1E8900"/>
+                  <a:srgbClr val="1e8900"/>
                 </a:solidFill>
                 <a:latin typeface="Arial"/>
                 <a:ea typeface="+mn-ea"/>
@@ -6275,23 +6300,20 @@
             <a:r>
               <a:rPr lang="en-US" sz="1200">
                 <a:solidFill>
-                  <a:srgbClr val="1E8900"/>
+                  <a:srgbClr val="1e8900"/>
                 </a:solidFill>
                 <a:latin typeface="Arial"/>
                 <a:cs typeface="Arial"/>
               </a:rPr>
-              <a:t> - WEB</a:t>
-            </a:r>
-            <a:r>
-              <a:rPr lang="en-US" altLang="ko-KR" sz="1200">
-                <a:solidFill>
-                  <a:srgbClr val="1E8900"/>
-                </a:solidFill>
-                <a:latin typeface="Arial"/>
-                <a:cs typeface="Arial"/>
-              </a:rPr>
-              <a:t>2</a:t>
-            </a:r>
+              <a:t> </a:t>
+            </a:r>
+            <a:endParaRPr lang="en-US" altLang="ko-KR" sz="1200">
+              <a:solidFill>
+                <a:srgbClr val="1e8900"/>
+              </a:solidFill>
+              <a:latin typeface="Arial"/>
+              <a:cs typeface="Arial"/>
+            </a:endParaRPr>
           </a:p>
         </p:txBody>
       </p:sp>
@@ -6311,7 +6333,7 @@
         </p:blipFill>
         <p:spPr>
           <a:xfrm>
-            <a:off x="3723364" y="4953165"/>
+            <a:off x="4538390" y="4953165"/>
             <a:ext cx="381000" cy="381000"/>
           </a:xfrm>
           <a:prstGeom prst="rect">
@@ -6323,14 +6345,15 @@
         <p:nvCxnSpPr>
           <p:cNvPr id="88" name="Elbow Connector 18"/>
           <p:cNvCxnSpPr>
-            <a:cxnSpLocks/>
+            <a:stCxn id="42" idx="2"/>
+            <a:endCxn id="43" idx="0"/>
           </p:cNvCxnSpPr>
           <p:nvPr/>
         </p:nvCxnSpPr>
         <p:spPr>
           <a:xfrm rot="5400000" flipV="1">
-            <a:off x="8144513" y="3295241"/>
-            <a:ext cx="219553" cy="2500202"/>
+            <a:off x="7474029" y="3905329"/>
+            <a:ext cx="589919" cy="1504780"/>
           </a:xfrm>
           <a:prstGeom prst="bentConnector3">
             <a:avLst>
@@ -6369,7 +6392,7 @@
           <p:nvPr/>
         </p:nvPicPr>
         <p:blipFill rotWithShape="1">
-          <a:blip r:embed="rId11"/>
+          <a:blip r:embed="rId17"/>
           <a:srcRect/>
           <a:stretch>
             <a:fillRect/>
@@ -6397,14 +6420,14 @@
         </p:nvSpPr>
         <p:spPr>
           <a:xfrm>
-            <a:off x="9093203" y="1808260"/>
+            <a:off x="9289595" y="3260600"/>
             <a:ext cx="2114005" cy="1298844"/>
           </a:xfrm>
           <a:prstGeom prst="rect">
             <a:avLst/>
           </a:prstGeom>
           <a:solidFill>
-            <a:srgbClr val="007CBC">
+            <a:srgbClr val="007cbc">
               <a:alpha val="9800"/>
             </a:srgbClr>
           </a:solidFill>
@@ -6439,7 +6462,7 @@
             <a:r>
               <a:rPr lang="en-US" sz="1200">
                 <a:solidFill>
-                  <a:srgbClr val="5B9CD5"/>
+                  <a:srgbClr val="5b9cd5"/>
                 </a:solidFill>
                 <a:latin typeface="Arial"/>
                 <a:ea typeface="+mn-ea"/>
@@ -6450,7 +6473,7 @@
             <a:r>
               <a:rPr lang="en-US" sz="1200">
                 <a:solidFill>
-                  <a:srgbClr val="5B9CD5"/>
+                  <a:srgbClr val="5b9cd5"/>
                 </a:solidFill>
                 <a:latin typeface="Arial"/>
                 <a:cs typeface="Arial"/>
@@ -6459,7 +6482,7 @@
             </a:r>
             <a:endParaRPr lang="en-US" sz="1200">
               <a:solidFill>
-                <a:srgbClr val="5B9CD5"/>
+                <a:srgbClr val="5b9cd5"/>
               </a:solidFill>
               <a:latin typeface="Arial"/>
               <a:ea typeface="+mn-ea"/>
@@ -6477,14 +6500,14 @@
           <p:nvPr/>
         </p:nvPicPr>
         <p:blipFill rotWithShape="1">
-          <a:blip r:embed="rId17"/>
+          <a:blip r:embed="rId18"/>
           <a:stretch>
             <a:fillRect/>
           </a:stretch>
         </p:blipFill>
         <p:spPr>
           <a:xfrm>
-            <a:off x="9091211" y="1799175"/>
+            <a:off x="9287603" y="3261040"/>
             <a:ext cx="354969" cy="354969"/>
           </a:xfrm>
           <a:prstGeom prst="rect">
@@ -6507,7 +6530,7 @@
             <a:avLst/>
           </a:prstGeom>
           <a:solidFill>
-            <a:srgbClr val="007CBC">
+            <a:srgbClr val="007cbc">
               <a:alpha val="9800"/>
             </a:srgbClr>
           </a:solidFill>
@@ -6542,7 +6565,7 @@
             <a:r>
               <a:rPr lang="en-US" sz="1200">
                 <a:solidFill>
-                  <a:srgbClr val="5B9CD5"/>
+                  <a:srgbClr val="5b9cd5"/>
                 </a:solidFill>
                 <a:latin typeface="Arial"/>
                 <a:ea typeface="+mn-ea"/>
@@ -6553,23 +6576,20 @@
             <a:r>
               <a:rPr lang="en-US" sz="1200">
                 <a:solidFill>
-                  <a:srgbClr val="5B9CD5"/>
+                  <a:srgbClr val="5b9cd5"/>
                 </a:solidFill>
                 <a:latin typeface="Arial"/>
                 <a:cs typeface="Arial"/>
               </a:rPr>
-              <a:t>subnet – WAS</a:t>
-            </a:r>
-            <a:r>
-              <a:rPr lang="en-US" altLang="ko-KR" sz="1200">
-                <a:solidFill>
-                  <a:srgbClr val="5B9CD5"/>
-                </a:solidFill>
-                <a:latin typeface="Arial"/>
-                <a:cs typeface="Arial"/>
-              </a:rPr>
-              <a:t>2</a:t>
-            </a:r>
+              <a:t>subnet </a:t>
+            </a:r>
+            <a:endParaRPr lang="en-US" altLang="ko-KR" sz="1200">
+              <a:solidFill>
+                <a:srgbClr val="5b9cd5"/>
+              </a:solidFill>
+              <a:latin typeface="Arial"/>
+              <a:cs typeface="Arial"/>
+            </a:endParaRPr>
           </a:p>
         </p:txBody>
       </p:sp>
@@ -6582,7 +6602,7 @@
           <p:nvPr/>
         </p:nvPicPr>
         <p:blipFill rotWithShape="1">
-          <a:blip r:embed="rId7"/>
+          <a:blip r:embed="rId19"/>
           <a:stretch>
             <a:fillRect/>
           </a:stretch>
@@ -6601,14 +6621,15 @@
         <p:nvCxnSpPr>
           <p:cNvPr id="56" name="Elbow Connector 18"/>
           <p:cNvCxnSpPr>
-            <a:cxnSpLocks/>
+            <a:stCxn id="26" idx="0"/>
+            <a:endCxn id="17" idx="2"/>
           </p:cNvCxnSpPr>
           <p:nvPr/>
         </p:nvCxnSpPr>
         <p:spPr>
-          <a:xfrm rot="16200000" flipV="1">
-            <a:off x="5724554" y="2288269"/>
-            <a:ext cx="603868" cy="1868711"/>
+          <a:xfrm rot="5400000" flipH="1">
+            <a:off x="5973881" y="2159746"/>
+            <a:ext cx="279709" cy="1801598"/>
           </a:xfrm>
           <a:prstGeom prst="bentConnector3">
             <a:avLst>
@@ -6642,14 +6663,15 @@
         <p:nvCxnSpPr>
           <p:cNvPr id="60" name="Elbow Connector 18"/>
           <p:cNvCxnSpPr>
-            <a:cxnSpLocks/>
+            <a:stCxn id="26" idx="0"/>
+            <a:endCxn id="48" idx="2"/>
           </p:cNvCxnSpPr>
           <p:nvPr/>
         </p:nvCxnSpPr>
         <p:spPr>
           <a:xfrm rot="5400000" flipH="1" flipV="1">
-            <a:off x="6945939" y="2926960"/>
-            <a:ext cx="612505" cy="601281"/>
+            <a:off x="7204559" y="2722030"/>
+            <a:ext cx="288346" cy="668394"/>
           </a:xfrm>
           <a:prstGeom prst="bentConnector3">
             <a:avLst>
@@ -6688,7 +6710,7 @@
           <p:nvPr/>
         </p:nvPicPr>
         <p:blipFill rotWithShape="1">
-          <a:blip r:embed="rId11"/>
+          <a:blip r:embed="rId20"/>
           <a:srcRect/>
           <a:stretch>
             <a:fillRect/>
@@ -6696,7 +6718,7 @@
         </p:blipFill>
         <p:spPr>
           <a:xfrm>
-            <a:off x="4447898" y="5394966"/>
+            <a:off x="5262924" y="5394966"/>
             <a:ext cx="457200" cy="457200"/>
           </a:xfrm>
           <a:prstGeom prst="rect">
@@ -6710,13 +6732,7 @@
       </p:pic>
       <p:sp>
         <p:nvSpPr>
-          <p:cNvPr id="49" name="Rectangle 6">
-            <a:extLst>
-              <a:ext uri="{FF2B5EF4-FFF2-40B4-BE49-F238E27FC236}">
-                <a16:creationId xmlns:a16="http://schemas.microsoft.com/office/drawing/2014/main" id="{8D00094E-96C0-4A30-8697-82B181E3ED46}"/>
-              </a:ext>
-            </a:extLst>
-          </p:cNvPr>
+          <p:cNvPr id="49" name="Rectangle 6"/>
           <p:cNvSpPr/>
           <p:nvPr/>
         </p:nvSpPr>
@@ -6731,7 +6747,7 @@
           <a:noFill/>
           <a:ln w="12700">
             <a:solidFill>
-              <a:srgbClr val="1E8900"/>
+              <a:srgbClr val="1e8900"/>
             </a:solidFill>
           </a:ln>
         </p:spPr>
@@ -6768,7 +6784,7 @@
               <a:rPr lang="en-US" sz="1200">
                 <a:ln w="0"/>
                 <a:solidFill>
-                  <a:srgbClr val="1E8900"/>
+                  <a:srgbClr val="1e8900"/>
                 </a:solidFill>
                 <a:latin typeface="Arial"/>
                 <a:ea typeface="+mn-ea"/>
@@ -6778,7 +6794,7 @@
             </a:r>
             <a:endParaRPr lang="en-US" sz="1200">
               <a:solidFill>
-                <a:srgbClr val="1E8900"/>
+                <a:srgbClr val="1e8900"/>
               </a:solidFill>
               <a:latin typeface="Arial"/>
               <a:ea typeface="+mn-ea"/>
@@ -6789,20 +6805,14 @@
       </p:sp>
       <p:pic>
         <p:nvPicPr>
-          <p:cNvPr id="51" name="Graphic 16">
-            <a:extLst>
-              <a:ext uri="{FF2B5EF4-FFF2-40B4-BE49-F238E27FC236}">
-                <a16:creationId xmlns:a16="http://schemas.microsoft.com/office/drawing/2014/main" id="{E8D002F9-A3C6-45EA-9872-E0C4B12A6AF8}"/>
-              </a:ext>
-            </a:extLst>
-          </p:cNvPr>
+          <p:cNvPr id="51" name="Graphic 16"/>
           <p:cNvPicPr>
             <a:picLocks noChangeAspect="1"/>
           </p:cNvPicPr>
           <p:nvPr/>
         </p:nvPicPr>
         <p:blipFill rotWithShape="1">
-          <a:blip r:embed="rId18"/>
+          <a:blip r:embed="rId21"/>
           <a:stretch>
             <a:fillRect/>
           </a:stretch>
@@ -6826,7 +6836,7 @@
           <p:nvPr/>
         </p:nvPicPr>
         <p:blipFill rotWithShape="1">
-          <a:blip r:embed="rId19"/>
+          <a:blip r:embed="rId22"/>
           <a:srcRect/>
           <a:stretch>
             <a:fillRect/>
@@ -6855,7 +6865,7 @@
           <p:nvPr/>
         </p:nvPicPr>
         <p:blipFill rotWithShape="1">
-          <a:blip r:embed="rId20"/>
+          <a:blip r:embed="rId23"/>
           <a:srcRect/>
           <a:stretch>
             <a:fillRect/>
@@ -6863,7 +6873,7 @@
         </p:blipFill>
         <p:spPr>
           <a:xfrm>
-            <a:off x="10017973" y="2301652"/>
+            <a:off x="10214365" y="3753992"/>
             <a:ext cx="457200" cy="457200"/>
           </a:xfrm>
           <a:prstGeom prst="rect">
@@ -6877,20 +6887,14 @@
       </p:pic>
       <p:pic>
         <p:nvPicPr>
-          <p:cNvPr id="52" name="Graphic 14">
-            <a:extLst>
-              <a:ext uri="{FF2B5EF4-FFF2-40B4-BE49-F238E27FC236}">
-                <a16:creationId xmlns:a16="http://schemas.microsoft.com/office/drawing/2014/main" id="{E035AD64-82DB-4112-9FFA-C91D2E1668E8}"/>
-              </a:ext>
-            </a:extLst>
-          </p:cNvPr>
+          <p:cNvPr id="52" name="Graphic 14"/>
           <p:cNvPicPr>
             <a:picLocks noChangeAspect="1" noChangeArrowheads="1"/>
           </p:cNvPicPr>
           <p:nvPr/>
         </p:nvPicPr>
         <p:blipFill rotWithShape="1">
-          <a:blip r:embed="rId21"/>
+          <a:blip r:embed="rId24"/>
           <a:srcRect/>
           <a:stretch>
             <a:fillRect/>
@@ -6912,26 +6916,20 @@
       </p:pic>
       <p:sp>
         <p:nvSpPr>
-          <p:cNvPr id="43" name="Rectangle 32">
-            <a:extLst>
-              <a:ext uri="{FF2B5EF4-FFF2-40B4-BE49-F238E27FC236}">
-                <a16:creationId xmlns:a16="http://schemas.microsoft.com/office/drawing/2014/main" id="{BFF01E9D-B465-4D79-92BA-76411E21F889}"/>
-              </a:ext>
-            </a:extLst>
-          </p:cNvPr>
+          <p:cNvPr id="43" name="Rectangle 32"/>
           <p:cNvSpPr/>
           <p:nvPr/>
         </p:nvSpPr>
         <p:spPr>
           <a:xfrm>
-            <a:off x="8462580" y="4775924"/>
+            <a:off x="7460982" y="4952678"/>
             <a:ext cx="2120794" cy="1203987"/>
           </a:xfrm>
           <a:prstGeom prst="rect">
             <a:avLst/>
           </a:prstGeom>
           <a:solidFill>
-            <a:srgbClr val="1D8900">
+            <a:srgbClr val="1d8900">
               <a:alpha val="9800"/>
             </a:srgbClr>
           </a:solidFill>
@@ -6966,7 +6964,7 @@
             <a:r>
               <a:rPr lang="en-US" sz="1200">
                 <a:solidFill>
-                  <a:srgbClr val="1E8900"/>
+                  <a:srgbClr val="1e8900"/>
                 </a:solidFill>
                 <a:latin typeface="Arial"/>
                 <a:ea typeface="+mn-ea"/>
@@ -6977,49 +6975,40 @@
             <a:r>
               <a:rPr lang="en-US" sz="1200">
                 <a:solidFill>
-                  <a:srgbClr val="1E8900"/>
+                  <a:srgbClr val="1e8900"/>
                 </a:solidFill>
                 <a:latin typeface="Arial"/>
                 <a:cs typeface="Arial"/>
               </a:rPr>
-              <a:t> - WEB</a:t>
-            </a:r>
-            <a:r>
-              <a:rPr lang="en-US" altLang="ko-KR" sz="1200">
-                <a:solidFill>
-                  <a:srgbClr val="1E8900"/>
-                </a:solidFill>
-                <a:latin typeface="Arial"/>
-                <a:cs typeface="Arial"/>
-              </a:rPr>
-              <a:t>2</a:t>
-            </a:r>
+              <a:t> </a:t>
+            </a:r>
+            <a:endParaRPr lang="en-US" altLang="ko-KR" sz="1200">
+              <a:solidFill>
+                <a:srgbClr val="1e8900"/>
+              </a:solidFill>
+              <a:latin typeface="Arial"/>
+              <a:cs typeface="Arial"/>
+            </a:endParaRPr>
           </a:p>
         </p:txBody>
       </p:sp>
       <p:pic>
         <p:nvPicPr>
-          <p:cNvPr id="44" name="Graphic 19">
-            <a:extLst>
-              <a:ext uri="{FF2B5EF4-FFF2-40B4-BE49-F238E27FC236}">
-                <a16:creationId xmlns:a16="http://schemas.microsoft.com/office/drawing/2014/main" id="{DCE2C53C-D0D9-4C31-A889-DFD7ED58F45D}"/>
-              </a:ext>
-            </a:extLst>
-          </p:cNvPr>
+          <p:cNvPr id="44" name="Graphic 19"/>
           <p:cNvPicPr>
             <a:picLocks noChangeAspect="1"/>
           </p:cNvPicPr>
           <p:nvPr/>
         </p:nvPicPr>
         <p:blipFill rotWithShape="1">
-          <a:blip r:embed="rId16"/>
+          <a:blip r:embed="rId25"/>
           <a:stretch>
             <a:fillRect/>
           </a:stretch>
         </p:blipFill>
         <p:spPr>
           <a:xfrm>
-            <a:off x="8462632" y="4776604"/>
+            <a:off x="7461034" y="4953358"/>
             <a:ext cx="381000" cy="381000"/>
           </a:xfrm>
           <a:prstGeom prst="rect">
@@ -7029,20 +7018,14 @@
       </p:pic>
       <p:pic>
         <p:nvPicPr>
-          <p:cNvPr id="47" name="Graphic 60">
-            <a:extLst>
-              <a:ext uri="{FF2B5EF4-FFF2-40B4-BE49-F238E27FC236}">
-                <a16:creationId xmlns:a16="http://schemas.microsoft.com/office/drawing/2014/main" id="{3C42FE63-8E40-4CAE-B171-FF8784A2137B}"/>
-              </a:ext>
-            </a:extLst>
-          </p:cNvPr>
+          <p:cNvPr id="47" name="Graphic 60"/>
           <p:cNvPicPr>
             <a:picLocks noChangeAspect="1" noChangeArrowheads="1"/>
           </p:cNvPicPr>
           <p:nvPr/>
         </p:nvPicPr>
         <p:blipFill rotWithShape="1">
-          <a:blip r:embed="rId11"/>
+          <a:blip r:embed="rId26"/>
           <a:srcRect/>
           <a:stretch>
             <a:fillRect/>
@@ -7050,7 +7033,7 @@
         </p:blipFill>
         <p:spPr>
           <a:xfrm>
-            <a:off x="9363728" y="5209112"/>
+            <a:off x="8254113" y="5385863"/>
             <a:ext cx="457200" cy="457200"/>
           </a:xfrm>
           <a:prstGeom prst="rect">
@@ -7062,16 +7045,129 @@
           </a:ln>
         </p:spPr>
       </p:pic>
+      <p:pic>
+        <p:nvPicPr>
+          <p:cNvPr id="111" name="Graphic 14"/>
+          <p:cNvPicPr>
+            <a:picLocks noChangeAspect="1" noChangeArrowheads="1"/>
+          </p:cNvPicPr>
+          <p:nvPr/>
+        </p:nvPicPr>
+        <p:blipFill rotWithShape="1">
+          <a:blip r:embed="rId27"/>
+          <a:srcRect/>
+          <a:stretch>
+            <a:fillRect/>
+          </a:stretch>
+        </p:blipFill>
+        <p:spPr>
+          <a:xfrm>
+            <a:off x="10019042" y="5375750"/>
+            <a:ext cx="457200" cy="457200"/>
+          </a:xfrm>
+          <a:prstGeom prst="rect">
+            <a:avLst/>
+          </a:prstGeom>
+          <a:noFill/>
+          <a:ln>
+            <a:noFill/>
+          </a:ln>
+        </p:spPr>
+      </p:pic>
+      <p:cxnSp>
+        <p:nvCxnSpPr>
+          <p:cNvPr id="112" name="Elbow Connector 18"/>
+          <p:cNvCxnSpPr>
+            <a:stCxn id="42" idx="2"/>
+            <a:endCxn id="111" idx="0"/>
+          </p:cNvCxnSpPr>
+          <p:nvPr/>
+        </p:nvCxnSpPr>
+        <p:spPr>
+          <a:xfrm rot="5400000" flipV="1">
+            <a:off x="8125625" y="3253732"/>
+            <a:ext cx="1012990" cy="3231043"/>
+          </a:xfrm>
+          <a:prstGeom prst="bentConnector3">
+            <a:avLst>
+              <a:gd name="adj1" fmla="val 29519"/>
+            </a:avLst>
+          </a:prstGeom>
+          <a:ln w="12700">
+            <a:solidFill>
+              <a:schemeClr val="tx2"/>
+            </a:solidFill>
+            <a:headEnd w="med" len="sm"/>
+            <a:tailEnd type="arrow" w="med" len="sm"/>
+          </a:ln>
+        </p:spPr>
+        <p:style>
+          <a:lnRef idx="1">
+            <a:schemeClr val="accent1"/>
+          </a:lnRef>
+          <a:fillRef idx="0">
+            <a:schemeClr val="accent1"/>
+          </a:fillRef>
+          <a:effectRef idx="0">
+            <a:schemeClr val="accent1"/>
+          </a:effectRef>
+          <a:fontRef idx="minor">
+            <a:schemeClr val="tx1"/>
+          </a:fontRef>
+        </p:style>
+      </p:cxnSp>
+      <p:cxnSp>
+        <p:nvCxnSpPr>
+          <p:cNvPr id="113" name="Elbow Connector 18"/>
+          <p:cNvCxnSpPr>
+            <a:stCxn id="42" idx="3"/>
+            <a:endCxn id="95" idx="1"/>
+          </p:cNvCxnSpPr>
+          <p:nvPr/>
+        </p:nvCxnSpPr>
+        <p:spPr>
+          <a:xfrm flipV="1">
+            <a:off x="7245199" y="3910022"/>
+            <a:ext cx="2044397" cy="224136"/>
+          </a:xfrm>
+          <a:prstGeom prst="bentConnector3">
+            <a:avLst>
+              <a:gd name="adj1" fmla="val 50000"/>
+            </a:avLst>
+          </a:prstGeom>
+          <a:ln w="12700">
+            <a:solidFill>
+              <a:schemeClr val="tx2"/>
+            </a:solidFill>
+            <a:headEnd w="med" len="sm"/>
+            <a:tailEnd type="arrow" w="med" len="sm"/>
+          </a:ln>
+        </p:spPr>
+        <p:style>
+          <a:lnRef idx="1">
+            <a:schemeClr val="accent1"/>
+          </a:lnRef>
+          <a:fillRef idx="0">
+            <a:schemeClr val="accent1"/>
+          </a:fillRef>
+          <a:effectRef idx="0">
+            <a:schemeClr val="accent1"/>
+          </a:effectRef>
+          <a:fontRef idx="minor">
+            <a:schemeClr val="tx1"/>
+          </a:fontRef>
+        </p:style>
+      </p:cxnSp>
     </p:spTree>
   </p:cSld>
   <p:clrMapOvr>
     <a:masterClrMapping/>
   </p:clrMapOvr>
-  <mc:AlternateContent xmlns:mc="http://schemas.openxmlformats.org/markup-compatibility/2006" xmlns:p14="http://schemas.microsoft.com/office/powerpoint/2010/main">
-    <mc:Choice Requires="p14">
-      <p:transition/>
+  <mc:AlternateContent xmlns:mc="http://schemas.openxmlformats.org/markup-compatibility/2006">
+    <mc:Choice xmlns:p14="http://schemas.microsoft.com/office/powerpoint/2010/main" Requires="p14">
+      <p:transition xmlns:mc="http://schemas.openxmlformats.org/markup-compatibility/2006" xmlns:p14="http://schemas.microsoft.com/office/powerpoint/2010/main" mc:Ignorable="p14" p14:dur="500"/>
     </mc:Choice>
-    <mc:Fallback xmlns="" xmlns:c="http://schemas.openxmlformats.org/drawingml/2006/chart" xmlns:dgm="http://schemas.openxmlformats.org/drawingml/2006/diagram" xmlns:dsp="http://schemas.microsoft.com/office/drawing/2008/diagram">
+    <mc:Fallback>
       <p:transition/>
     </mc:Fallback>
   </mc:AlternateContent>
@@ -7079,41 +7175,41 @@
 </file>
 
 <file path=ppt/theme/theme1.xml><?xml version="1.0" encoding="utf-8"?>
-<a:theme xmlns:a="http://schemas.openxmlformats.org/drawingml/2006/main" name="한컴오피스">
+<a:theme xmlns:r="http://schemas.openxmlformats.org/officeDocument/2006/relationships" xmlns:c="http://schemas.openxmlformats.org/drawingml/2006/chart" xmlns:dgm="http://schemas.openxmlformats.org/drawingml/2006/diagram" xmlns:dsp="http://schemas.microsoft.com/office/drawing/2008/diagram" xmlns:a="http://schemas.openxmlformats.org/drawingml/2006/main" xmlns:pic="http://schemas.openxmlformats.org/drawingml/2006/picture" xmlns:wp="http://schemas.openxmlformats.org/drawingml/2006/wordprocessingDrawing" xmlns:xdr="http://schemas.openxmlformats.org/drawingml/2006/spreadsheetDrawing" xmlns:lc="http://schemas.openxmlformats.org/drawingml/2006/lockedCanvas" xmlns:p="http://schemas.openxmlformats.org/presentationml/2006/main" name="한컴오피스">
   <a:themeElements>
     <a:clrScheme name="한컴오피스">
       <a:dk1>
         <a:sysClr val="windowText" lastClr="000000"/>
       </a:dk1>
       <a:lt1>
-        <a:sysClr val="window" lastClr="FFFFFF"/>
+        <a:sysClr val="window" lastClr="ffffff"/>
       </a:lt1>
       <a:dk2>
-        <a:srgbClr val="3A3C84"/>
+        <a:srgbClr val="3a3c84"/>
       </a:dk2>
       <a:lt2>
-        <a:srgbClr val="FAF3DB"/>
+        <a:srgbClr val="faf3db"/>
       </a:lt2>
       <a:accent1>
-        <a:srgbClr val="6182D6"/>
+        <a:srgbClr val="6182d6"/>
       </a:accent1>
       <a:accent2>
-        <a:srgbClr val="FF843A"/>
+        <a:srgbClr val="ff843a"/>
       </a:accent2>
       <a:accent3>
-        <a:srgbClr val="B2B2B2"/>
+        <a:srgbClr val="b2b2b2"/>
       </a:accent3>
       <a:accent4>
-        <a:srgbClr val="FFD700"/>
+        <a:srgbClr val="ffd700"/>
       </a:accent4>
       <a:accent5>
-        <a:srgbClr val="289B6E"/>
+        <a:srgbClr val="289b6e"/>
       </a:accent5>
       <a:accent6>
-        <a:srgbClr val="9D5CBB"/>
+        <a:srgbClr val="9d5cbb"/>
       </a:accent6>
       <a:hlink>
-        <a:srgbClr val="0000FF"/>
+        <a:srgbClr val="0000ff"/>
       </a:hlink>
       <a:folHlink>
         <a:srgbClr val="800080"/>
@@ -7338,47 +7434,45 @@
       </a:bgFillStyleLst>
     </a:fmtScheme>
   </a:themeElements>
-  <a:objectDefaults/>
-  <a:extraClrSchemeLst/>
 </a:theme>
 </file>
 
 <file path=ppt/theme/theme2.xml><?xml version="1.0" encoding="utf-8"?>
-<a:theme xmlns:a="http://schemas.openxmlformats.org/drawingml/2006/main" name="한컴오피스">
+<a:theme xmlns:r="http://schemas.openxmlformats.org/officeDocument/2006/relationships" xmlns:c="http://schemas.openxmlformats.org/drawingml/2006/chart" xmlns:dgm="http://schemas.openxmlformats.org/drawingml/2006/diagram" xmlns:dsp="http://schemas.microsoft.com/office/drawing/2008/diagram" xmlns:a="http://schemas.openxmlformats.org/drawingml/2006/main" xmlns:pic="http://schemas.openxmlformats.org/drawingml/2006/picture" xmlns:wp="http://schemas.openxmlformats.org/drawingml/2006/wordprocessingDrawing" xmlns:xdr="http://schemas.openxmlformats.org/drawingml/2006/spreadsheetDrawing" xmlns:lc="http://schemas.openxmlformats.org/drawingml/2006/lockedCanvas" xmlns:p="http://schemas.openxmlformats.org/presentationml/2006/main" name="한컴오피스">
   <a:themeElements>
     <a:clrScheme name="한컴오피스">
       <a:dk1>
         <a:sysClr val="windowText" lastClr="000000"/>
       </a:dk1>
       <a:lt1>
-        <a:sysClr val="window" lastClr="FFFFFF"/>
+        <a:sysClr val="window" lastClr="ffffff"/>
       </a:lt1>
       <a:dk2>
-        <a:srgbClr val="3A3C84"/>
+        <a:srgbClr val="3a3c84"/>
       </a:dk2>
       <a:lt2>
-        <a:srgbClr val="FAF3DB"/>
+        <a:srgbClr val="faf3db"/>
       </a:lt2>
       <a:accent1>
-        <a:srgbClr val="6182D6"/>
+        <a:srgbClr val="6182d6"/>
       </a:accent1>
       <a:accent2>
-        <a:srgbClr val="FF843A"/>
+        <a:srgbClr val="ff843a"/>
       </a:accent2>
       <a:accent3>
-        <a:srgbClr val="B2B2B2"/>
+        <a:srgbClr val="b2b2b2"/>
       </a:accent3>
       <a:accent4>
-        <a:srgbClr val="FFD700"/>
+        <a:srgbClr val="ffd700"/>
       </a:accent4>
       <a:accent5>
-        <a:srgbClr val="289B6E"/>
+        <a:srgbClr val="289b6e"/>
       </a:accent5>
       <a:accent6>
-        <a:srgbClr val="9D5CBB"/>
+        <a:srgbClr val="9d5cbb"/>
       </a:accent6>
       <a:hlink>
-        <a:srgbClr val="0000FF"/>
+        <a:srgbClr val="0000ff"/>
       </a:hlink>
       <a:folHlink>
         <a:srgbClr val="800080"/>
@@ -7603,7 +7697,5 @@
       </a:bgFillStyleLst>
     </a:fmtScheme>
   </a:themeElements>
-  <a:objectDefaults/>
-  <a:extraClrSchemeLst/>
 </a:theme>
 </file>
--- a/06-최종산출물/AWS 구성도 ver 0.4.pptx
+++ b/06-최종산출물/AWS 구성도 ver 0.4.pptx
@@ -2,7 +2,7 @@
 <file path=ppt/presentation.xml><?xml version="1.0" encoding="utf-8"?>
 <p:presentation xmlns:r="http://schemas.openxmlformats.org/officeDocument/2006/relationships" xmlns:c="http://schemas.openxmlformats.org/drawingml/2006/chart" xmlns:a="http://schemas.openxmlformats.org/drawingml/2006/main" xmlns:dgm="http://schemas.openxmlformats.org/drawingml/2006/diagram" xmlns:dsp="http://schemas.microsoft.com/office/drawing/2008/diagram" xmlns:p="http://schemas.openxmlformats.org/presentationml/2006/main">
   <p:sldMasterIdLst>
-    <p:sldMasterId id="2147483721" r:id="rId1"/>
+    <p:sldMasterId id="2147483722" r:id="rId1"/>
   </p:sldMasterIdLst>
   <p:notesMasterIdLst>
     <p:notesMasterId r:id="rId2"/>
@@ -4175,7 +4175,7 @@
 </file>
 
 <file path=ppt/slides/slide3.xml><?xml version="1.0" encoding="utf-8"?>
-<p:sld xmlns:a="http://schemas.openxmlformats.org/drawingml/2006/main" xmlns:r="http://schemas.openxmlformats.org/officeDocument/2006/relationships" xmlns:p="http://schemas.openxmlformats.org/presentationml/2006/main">
+<p:sld xmlns:r="http://schemas.openxmlformats.org/officeDocument/2006/relationships" xmlns:c="http://schemas.openxmlformats.org/drawingml/2006/chart" xmlns:a="http://schemas.openxmlformats.org/drawingml/2006/main" xmlns:dgm="http://schemas.openxmlformats.org/drawingml/2006/diagram" xmlns:dsp="http://schemas.microsoft.com/office/drawing/2008/diagram" xmlns:p="http://schemas.openxmlformats.org/presentationml/2006/main">
   <p:cSld>
     <p:spTree>
       <p:nvGrpSpPr>
@@ -4198,7 +4198,7 @@
             <a:spLocks noGrp="1"/>
           </p:cNvSpPr>
           <p:nvPr>
-            <p:ph type="title"/>
+            <p:ph type="title" idx="0"/>
           </p:nvPr>
         </p:nvSpPr>
         <p:spPr>
@@ -4218,6 +4218,7 @@
               <a:rPr lang="ko-KR" altLang="en-US" sz="2800"/>
               <a:t>개발환경구성</a:t>
             </a:r>
+            <a:endParaRPr lang="ko-KR" altLang="en-US" sz="2800"/>
           </a:p>
         </p:txBody>
       </p:sp>
@@ -4227,17 +4228,11 @@
           <p:cNvGraphicFramePr>
             <a:graphicFrameLocks noGrp="1"/>
           </p:cNvGraphicFramePr>
-          <p:nvPr>
-            <p:extLst>
-              <p:ext uri="{D42A27DB-BD31-4B8C-83A1-F6EECF244321}">
-                <p14:modId xmlns:p14="http://schemas.microsoft.com/office/powerpoint/2010/main" val="1578602742"/>
-              </p:ext>
-            </p:extLst>
-          </p:nvPr>
+          <p:nvPr/>
         </p:nvGraphicFramePr>
         <p:xfrm>
-          <a:off x="395468" y="1041721"/>
-          <a:ext cx="9183867" cy="5150999"/>
+          <a:off x="750321" y="1221165"/>
+          <a:ext cx="9186054" cy="4415669"/>
         </p:xfrm>
         <a:graphic>
           <a:graphicData uri="http://schemas.openxmlformats.org/drawingml/2006/table">
@@ -4246,65 +4241,47 @@
                 <a:tableStyleId>{01A66EDD-3DAB-4C5B-A090-DC80EC1FD486}</a:tableStyleId>
               </a:tblPr>
               <a:tblGrid>
-                <a:gridCol w="4583574">
-                  <a:extLst>
-                    <a:ext uri="{9D8B030D-6E8A-4147-A177-3AD203B41FA5}">
-                      <a16:colId xmlns:a16="http://schemas.microsoft.com/office/drawing/2014/main" val="20000"/>
-                    </a:ext>
-                  </a:extLst>
-                </a:gridCol>
-                <a:gridCol w="4600293">
-                  <a:extLst>
-                    <a:ext uri="{9D8B030D-6E8A-4147-A177-3AD203B41FA5}">
-                      <a16:colId xmlns:a16="http://schemas.microsoft.com/office/drawing/2014/main" val="20001"/>
-                    </a:ext>
-                  </a:extLst>
-                </a:gridCol>
+                <a:gridCol w="4583574"/>
+                <a:gridCol w="4602480"/>
               </a:tblGrid>
               <a:tr h="367665">
                 <a:tc>
                   <a:txBody>
-                    <a:bodyPr/>
-                    <a:lstStyle/>
+                    <a:bodyPr vert="horz" lIns="91440" tIns="45720" rIns="91440" bIns="45720" anchor="t" anchorCtr="0"/>
                     <a:p>
-                      <a:pPr algn="ctr"/>
+                      <a:pPr algn="ctr">
+                        <a:defRPr/>
+                      </a:pPr>
                       <a:r>
                         <a:rPr lang="ko-KR" altLang="en-US"/>
                         <a:t>항    목</a:t>
                       </a:r>
+                      <a:endParaRPr lang="ko-KR" altLang="en-US"/>
                     </a:p>
                   </a:txBody>
-                  <a:tcPr/>
+                  <a:tcPr marL="91440" marR="91440"/>
                 </a:tc>
                 <a:tc>
                   <a:txBody>
-                    <a:bodyPr/>
-                    <a:lstStyle/>
+                    <a:bodyPr vert="horz" lIns="91440" tIns="45720" rIns="91440" bIns="45720" anchor="t" anchorCtr="0"/>
                     <a:p>
-                      <a:pPr algn="ctr"/>
-                      <a:r>
-                        <a:rPr lang="ko-KR" altLang="en-US" err="1"/>
-                        <a:t>버</a:t>
-                      </a:r>
+                      <a:pPr algn="ctr">
+                        <a:defRPr/>
+                      </a:pPr>
                       <a:r>
                         <a:rPr lang="ko-KR" altLang="en-US"/>
-                        <a:t>    전</a:t>
-                      </a:r>
+                        <a:t>버    전</a:t>
+                      </a:r>
+                      <a:endParaRPr lang="ko-KR" altLang="en-US"/>
                     </a:p>
                   </a:txBody>
-                  <a:tcPr/>
+                  <a:tcPr marL="91440" marR="91440"/>
                 </a:tc>
-                <a:extLst>
-                  <a:ext uri="{0D108BD9-81ED-4DB2-BD59-A6C34878D82A}">
-                    <a16:rowId xmlns:a16="http://schemas.microsoft.com/office/drawing/2014/main" val="10000"/>
-                  </a:ext>
-                </a:extLst>
               </a:tr>
               <a:tr h="367665">
                 <a:tc>
                   <a:txBody>
-                    <a:bodyPr/>
-                    <a:lstStyle/>
+                    <a:bodyPr vert="horz" lIns="91440" tIns="45720" rIns="91440" bIns="45720" anchor="t" anchorCtr="0"/>
                     <a:p>
                       <a:pPr algn="ctr" latinLnBrk="1">
                         <a:defRPr/>
@@ -4324,38 +4301,29 @@
                       <a:endParaRPr lang="ko-KR" altLang="en-US"/>
                     </a:p>
                   </a:txBody>
-                  <a:tcPr/>
+                  <a:tcPr marL="91440" marR="91440"/>
                 </a:tc>
                 <a:tc>
                   <a:txBody>
-                    <a:bodyPr/>
-                    <a:lstStyle/>
+                    <a:bodyPr vert="horz" lIns="91440" tIns="45720" rIns="91440" bIns="45720" anchor="t" anchorCtr="0"/>
                     <a:p>
-                      <a:pPr algn="ctr"/>
-                      <a:r>
-                        <a:rPr lang="en-US" altLang="ko-KR" err="1"/>
-                        <a:t>ver</a:t>
-                      </a:r>
+                      <a:pPr algn="ctr">
+                        <a:defRPr/>
+                      </a:pPr>
                       <a:r>
                         <a:rPr lang="en-US" altLang="ko-KR"/>
-                        <a:t> 20H2 </a:t>
+                        <a:t>ver 20H2 </a:t>
                       </a:r>
                       <a:endParaRPr lang="ko-KR" altLang="en-US"/>
                     </a:p>
                   </a:txBody>
-                  <a:tcPr/>
+                  <a:tcPr marL="91440" marR="91440"/>
                 </a:tc>
-                <a:extLst>
-                  <a:ext uri="{0D108BD9-81ED-4DB2-BD59-A6C34878D82A}">
-                    <a16:rowId xmlns:a16="http://schemas.microsoft.com/office/drawing/2014/main" val="10001"/>
-                  </a:ext>
-                </a:extLst>
               </a:tr>
               <a:tr h="367665">
                 <a:tc>
                   <a:txBody>
-                    <a:bodyPr/>
-                    <a:lstStyle/>
+                    <a:bodyPr vert="horz" lIns="91440" tIns="45720" rIns="91440" bIns="45720" anchor="t" anchorCtr="0"/>
                     <a:p>
                       <a:pPr algn="ctr" latinLnBrk="1">
                         <a:defRPr/>
@@ -4367,39 +4335,29 @@
                       <a:endParaRPr lang="ko-KR" altLang="en-US"/>
                     </a:p>
                   </a:txBody>
-                  <a:tcPr/>
+                  <a:tcPr marL="91440" marR="91440"/>
                 </a:tc>
                 <a:tc>
                   <a:txBody>
-                    <a:bodyPr/>
-                    <a:lstStyle/>
+                    <a:bodyPr vert="horz" lIns="91440" tIns="45720" rIns="91440" bIns="45720" anchor="t" anchorCtr="0"/>
                     <a:p>
                       <a:pPr algn="ctr">
                         <a:defRPr/>
                       </a:pPr>
                       <a:r>
-                        <a:rPr lang="en-US" altLang="ko-KR" err="1"/>
-                        <a:t>ver</a:t>
-                      </a:r>
-                      <a:r>
                         <a:rPr lang="en-US" altLang="ko-KR"/>
-                        <a:t> 1.65</a:t>
-                      </a:r>
+                        <a:t>ver 1.65</a:t>
+                      </a:r>
+                      <a:endParaRPr lang="en-US" altLang="ko-KR"/>
                     </a:p>
                   </a:txBody>
-                  <a:tcPr/>
+                  <a:tcPr marL="91440" marR="91440"/>
                 </a:tc>
-                <a:extLst>
-                  <a:ext uri="{0D108BD9-81ED-4DB2-BD59-A6C34878D82A}">
-                    <a16:rowId xmlns:a16="http://schemas.microsoft.com/office/drawing/2014/main" val="10002"/>
-                  </a:ext>
-                </a:extLst>
               </a:tr>
               <a:tr h="367665">
                 <a:tc>
                   <a:txBody>
-                    <a:bodyPr/>
-                    <a:lstStyle/>
+                    <a:bodyPr vert="horz" lIns="91440" tIns="45720" rIns="91440" bIns="45720" anchor="t" anchorCtr="0"/>
                     <a:p>
                       <a:pPr algn="ctr" latinLnBrk="1">
                         <a:defRPr/>
@@ -4411,39 +4369,29 @@
                       <a:endParaRPr lang="ko-KR" altLang="en-US"/>
                     </a:p>
                   </a:txBody>
-                  <a:tcPr/>
+                  <a:tcPr marL="91440" marR="91440"/>
                 </a:tc>
                 <a:tc>
                   <a:txBody>
-                    <a:bodyPr/>
-                    <a:lstStyle/>
+                    <a:bodyPr vert="horz" lIns="91440" tIns="45720" rIns="91440" bIns="45720" anchor="t" anchorCtr="0"/>
                     <a:p>
                       <a:pPr algn="ctr">
                         <a:defRPr/>
                       </a:pPr>
                       <a:r>
-                        <a:rPr lang="en-US" altLang="ko-KR" err="1"/>
-                        <a:t>ver</a:t>
-                      </a:r>
-                      <a:r>
                         <a:rPr lang="en-US" altLang="ko-KR"/>
-                        <a:t> 2.33.0</a:t>
-                      </a:r>
+                        <a:t>ver 2.33.0</a:t>
+                      </a:r>
+                      <a:endParaRPr lang="en-US" altLang="ko-KR"/>
                     </a:p>
                   </a:txBody>
-                  <a:tcPr/>
+                  <a:tcPr marL="91440" marR="91440"/>
                 </a:tc>
-                <a:extLst>
-                  <a:ext uri="{0D108BD9-81ED-4DB2-BD59-A6C34878D82A}">
-                    <a16:rowId xmlns:a16="http://schemas.microsoft.com/office/drawing/2014/main" val="10003"/>
-                  </a:ext>
-                </a:extLst>
               </a:tr>
               <a:tr h="367665">
                 <a:tc>
                   <a:txBody>
-                    <a:bodyPr/>
-                    <a:lstStyle/>
+                    <a:bodyPr vert="horz" lIns="91440" tIns="45720" rIns="91440" bIns="45720" anchor="t" anchorCtr="0"/>
                     <a:p>
                       <a:pPr algn="ctr">
                         <a:defRPr/>
@@ -4452,454 +4400,281 @@
                         <a:rPr lang="en-US" altLang="ko-KR"/>
                         <a:t>Java</a:t>
                       </a:r>
+                      <a:endParaRPr lang="en-US" altLang="ko-KR"/>
                     </a:p>
                   </a:txBody>
-                  <a:tcPr/>
+                  <a:tcPr marL="91440" marR="91440"/>
                 </a:tc>
                 <a:tc>
                   <a:txBody>
-                    <a:bodyPr/>
-                    <a:lstStyle/>
+                    <a:bodyPr vert="horz" lIns="91440" tIns="45720" rIns="91440" bIns="45720" anchor="t" anchorCtr="0"/>
                     <a:p>
                       <a:pPr algn="ctr">
                         <a:defRPr/>
                       </a:pPr>
                       <a:r>
-                        <a:rPr lang="en-US" altLang="ko-KR" err="1"/>
-                        <a:t>ver</a:t>
-                      </a:r>
-                      <a:r>
                         <a:rPr lang="en-US" altLang="ko-KR"/>
-                        <a:t> 11</a:t>
-                      </a:r>
+                        <a:t>ver 11</a:t>
+                      </a:r>
+                      <a:endParaRPr lang="en-US" altLang="ko-KR"/>
                     </a:p>
                   </a:txBody>
-                  <a:tcPr/>
+                  <a:tcPr marL="91440" marR="91440"/>
                 </a:tc>
-                <a:extLst>
-                  <a:ext uri="{0D108BD9-81ED-4DB2-BD59-A6C34878D82A}">
-                    <a16:rowId xmlns:a16="http://schemas.microsoft.com/office/drawing/2014/main" val="10004"/>
-                  </a:ext>
-                </a:extLst>
               </a:tr>
               <a:tr h="367665">
                 <a:tc>
                   <a:txBody>
-                    <a:bodyPr/>
-                    <a:lstStyle/>
+                    <a:bodyPr vert="horz" lIns="91440" tIns="45720" rIns="91440" bIns="45720" anchor="t" anchorCtr="0"/>
                     <a:p>
                       <a:pPr algn="ctr">
                         <a:defRPr/>
                       </a:pPr>
                       <a:r>
                         <a:rPr lang="en-US" altLang="ko-KR"/>
-                        <a:t>React Native</a:t>
-                      </a:r>
+                        <a:t>Gradle</a:t>
+                      </a:r>
+                      <a:endParaRPr lang="en-US" altLang="ko-KR"/>
                     </a:p>
                   </a:txBody>
-                  <a:tcPr/>
+                  <a:tcPr marL="91440" marR="91440"/>
                 </a:tc>
                 <a:tc>
                   <a:txBody>
-                    <a:bodyPr/>
-                    <a:lstStyle/>
+                    <a:bodyPr vert="horz" lIns="91440" tIns="45720" rIns="91440" bIns="45720" anchor="t" anchorCtr="0"/>
                     <a:p>
                       <a:pPr algn="ctr">
                         <a:defRPr/>
                       </a:pPr>
                       <a:r>
-                        <a:rPr lang="en-US" altLang="ko-KR" err="1"/>
-                        <a:t>ver</a:t>
-                      </a:r>
-                      <a:r>
                         <a:rPr lang="en-US" altLang="ko-KR"/>
-                        <a:t> 0.67</a:t>
-                      </a:r>
+                        <a:t>Ver 7.4</a:t>
+                      </a:r>
+                      <a:endParaRPr lang="en-US" altLang="ko-KR"/>
                     </a:p>
                   </a:txBody>
-                  <a:tcPr/>
+                  <a:tcPr marL="91440" marR="91440"/>
                 </a:tc>
-                <a:extLst>
-                  <a:ext uri="{0D108BD9-81ED-4DB2-BD59-A6C34878D82A}">
-                    <a16:rowId xmlns:a16="http://schemas.microsoft.com/office/drawing/2014/main" val="10005"/>
-                  </a:ext>
-                </a:extLst>
               </a:tr>
               <a:tr h="367665">
                 <a:tc>
                   <a:txBody>
-                    <a:bodyPr/>
-                    <a:lstStyle/>
+                    <a:bodyPr vert="horz" lIns="91440" tIns="45720" rIns="91440" bIns="45720" anchor="t" anchorCtr="0"/>
                     <a:p>
                       <a:pPr algn="ctr">
                         <a:defRPr/>
                       </a:pPr>
                       <a:r>
                         <a:rPr lang="en-US" altLang="ko-KR"/>
-                        <a:t>Gradle</a:t>
-                      </a:r>
+                        <a:t>Junit</a:t>
+                      </a:r>
+                      <a:endParaRPr lang="en-US" altLang="ko-KR"/>
                     </a:p>
                   </a:txBody>
-                  <a:tcPr/>
+                  <a:tcPr marL="91440" marR="91440"/>
                 </a:tc>
                 <a:tc>
                   <a:txBody>
-                    <a:bodyPr/>
-                    <a:lstStyle/>
-                    <a:p>
-                      <a:pPr algn="ctr"/>
-                      <a:r>
-                        <a:rPr lang="en-US" altLang="ko-KR"/>
-                        <a:t>Ver 7.4</a:t>
-                      </a:r>
-                    </a:p>
-                  </a:txBody>
-                  <a:tcPr/>
-                </a:tc>
-                <a:extLst>
-                  <a:ext uri="{0D108BD9-81ED-4DB2-BD59-A6C34878D82A}">
-                    <a16:rowId xmlns:a16="http://schemas.microsoft.com/office/drawing/2014/main" val="10006"/>
-                  </a:ext>
-                </a:extLst>
-              </a:tr>
-              <a:tr h="367665">
-                <a:tc>
-                  <a:txBody>
-                    <a:bodyPr/>
-                    <a:lstStyle/>
+                    <a:bodyPr vert="horz" lIns="91440" tIns="45720" rIns="91440" bIns="45720" anchor="t" anchorCtr="0"/>
                     <a:p>
                       <a:pPr algn="ctr">
                         <a:defRPr/>
                       </a:pPr>
                       <a:r>
                         <a:rPr lang="en-US" altLang="ko-KR"/>
-                        <a:t>Junit</a:t>
-                      </a:r>
+                        <a:t>ver 5</a:t>
+                      </a:r>
+                      <a:endParaRPr lang="en-US" altLang="ko-KR"/>
                     </a:p>
                   </a:txBody>
-                  <a:tcPr/>
+                  <a:tcPr marL="91440" marR="91440"/>
                 </a:tc>
+              </a:tr>
+              <a:tr h="371354">
                 <a:tc>
                   <a:txBody>
-                    <a:bodyPr/>
-                    <a:lstStyle/>
+                    <a:bodyPr vert="horz" lIns="91440" tIns="45720" rIns="91440" bIns="45720" anchor="t" anchorCtr="0"/>
                     <a:p>
                       <a:pPr algn="ctr">
                         <a:defRPr/>
                       </a:pPr>
                       <a:r>
-                        <a:rPr lang="en-US" altLang="ko-KR" err="1"/>
-                        <a:t>ver</a:t>
-                      </a:r>
-                      <a:r>
-                        <a:rPr lang="en-US" altLang="ko-KR"/>
-                        <a:t> 5</a:t>
-                      </a:r>
-                    </a:p>
-                  </a:txBody>
-                  <a:tcPr/>
-                </a:tc>
-                <a:extLst>
-                  <a:ext uri="{0D108BD9-81ED-4DB2-BD59-A6C34878D82A}">
-                    <a16:rowId xmlns:a16="http://schemas.microsoft.com/office/drawing/2014/main" val="10007"/>
-                  </a:ext>
-                </a:extLst>
-              </a:tr>
-              <a:tr h="371354">
-                <a:tc>
-                  <a:txBody>
-                    <a:bodyPr/>
-                    <a:lstStyle/>
-                    <a:p>
-                      <a:pPr algn="ctr"/>
-                      <a:r>
-                        <a:rPr lang="ko-KR" altLang="en-US" err="1"/>
-                        <a:t>Android</a:t>
-                      </a:r>
-                      <a:r>
                         <a:rPr lang="ko-KR" altLang="en-US"/>
-                        <a:t> </a:t>
-                      </a:r>
-                      <a:r>
-                        <a:rPr lang="ko-KR" altLang="en-US" err="1"/>
-                        <a:t>Studio</a:t>
-                      </a:r>
-                      <a:r>
-                        <a:rPr lang="ko-KR" altLang="en-US"/>
-                        <a:t>(</a:t>
-                      </a:r>
-                      <a:r>
-                        <a:rPr lang="en-US" altLang="ko-KR" sz="1800" b="0" i="0" u="none" strike="noStrike" noProof="0">
+                        <a:t>Android Studio(</a:t>
+                      </a:r>
+                      <a:r>
+                        <a:rPr lang="en-US" altLang="ko-KR" sz="1800" b="0" i="0" u="none" strike="noStrike">
                           <a:latin typeface="맑은 고딕"/>
                           <a:ea typeface="맑은 고딕"/>
                         </a:rPr>
                         <a:t>Bumblebee)</a:t>
                       </a:r>
-                      <a:endParaRPr lang="ko-KR" sz="1800" b="0" i="0" u="none" strike="noStrike" noProof="0">
+                      <a:endParaRPr lang="ko-KR" sz="1800" b="0" i="0" u="none" strike="noStrike">
                         <a:latin typeface="맑은 고딕"/>
                         <a:ea typeface="맑은 고딕"/>
                       </a:endParaRPr>
                     </a:p>
                   </a:txBody>
-                  <a:tcPr/>
+                  <a:tcPr marL="91440" marR="91440"/>
                 </a:tc>
                 <a:tc>
                   <a:txBody>
-                    <a:bodyPr/>
-                    <a:lstStyle/>
+                    <a:bodyPr vert="horz" lIns="91440" tIns="45720" rIns="91440" bIns="45720" anchor="t" anchorCtr="0"/>
                     <a:p>
-                      <a:pPr algn="ctr"/>
-                      <a:r>
-                        <a:rPr lang="ko-KR" altLang="en-US" err="1"/>
-                        <a:t>ver</a:t>
-                      </a:r>
+                      <a:pPr algn="ctr">
+                        <a:defRPr/>
+                      </a:pPr>
                       <a:r>
                         <a:rPr lang="ko-KR" altLang="en-US"/>
-                        <a:t> 2021.1.1 Pach2 </a:t>
-                      </a:r>
-                      <a:r>
-                        <a:rPr lang="ko-KR" altLang="en-US" err="1"/>
-                        <a:t>for</a:t>
-                      </a:r>
-                      <a:r>
-                        <a:rPr lang="ko-KR" altLang="en-US"/>
-                        <a:t> </a:t>
-                      </a:r>
-                      <a:r>
-                        <a:rPr lang="ko-KR" altLang="en-US" err="1"/>
-                        <a:t>Window</a:t>
-                      </a:r>
-                      <a:r>
-                        <a:rPr lang="ko-KR" altLang="en-US"/>
-                        <a:t> 64dit</a:t>
-                      </a:r>
-                      <a:endParaRPr lang="ko-KR" altLang="en-US" err="1"/>
+                        <a:t>ver 2021.1.1 Pach2 for Window 64dit</a:t>
+                      </a:r>
+                      <a:endParaRPr lang="ko-KR" altLang="en-US"/>
                     </a:p>
                   </a:txBody>
-                  <a:tcPr/>
+                  <a:tcPr marL="91440" marR="91440"/>
                 </a:tc>
-                <a:extLst>
-                  <a:ext uri="{0D108BD9-81ED-4DB2-BD59-A6C34878D82A}">
-                    <a16:rowId xmlns:a16="http://schemas.microsoft.com/office/drawing/2014/main" val="10008"/>
-                  </a:ext>
-                </a:extLst>
               </a:tr>
               <a:tr h="367665">
                 <a:tc>
                   <a:txBody>
-                    <a:bodyPr/>
-                    <a:lstStyle/>
+                    <a:bodyPr vert="horz" lIns="91440" tIns="45720" rIns="91440" bIns="45720" anchor="t" anchorCtr="0"/>
                     <a:p>
                       <a:pPr algn="ctr">
                         <a:defRPr/>
                       </a:pPr>
                       <a:r>
                         <a:rPr lang="en-US" altLang="ko-KR"/>
-                        <a:t>Jenkins</a:t>
-                      </a:r>
+                        <a:t>Springboot</a:t>
+                      </a:r>
+                      <a:endParaRPr lang="en-US" altLang="ko-KR"/>
                     </a:p>
                   </a:txBody>
-                  <a:tcPr/>
+                  <a:tcPr marL="91440" marR="91440"/>
                 </a:tc>
                 <a:tc>
                   <a:txBody>
-                    <a:bodyPr/>
-                    <a:lstStyle/>
+                    <a:bodyPr vert="horz" lIns="91440" tIns="45720" rIns="91440" bIns="45720" anchor="t" anchorCtr="0"/>
                     <a:p>
-                      <a:pPr algn="ctr"/>
+                      <a:pPr algn="ctr">
+                        <a:defRPr/>
+                      </a:pPr>
                       <a:r>
                         <a:rPr lang="en-US" altLang="ko-KR"/>
-                        <a:t>Ver 31.0.1</a:t>
-                      </a:r>
+                        <a:t>ver 2.6.4</a:t>
+                      </a:r>
+                      <a:endParaRPr lang="en-US" altLang="ko-KR"/>
                     </a:p>
                   </a:txBody>
-                  <a:tcPr/>
+                  <a:tcPr marL="91440" marR="91440"/>
                 </a:tc>
-                <a:extLst>
-                  <a:ext uri="{0D108BD9-81ED-4DB2-BD59-A6C34878D82A}">
-                    <a16:rowId xmlns:a16="http://schemas.microsoft.com/office/drawing/2014/main" val="10009"/>
-                  </a:ext>
-                </a:extLst>
               </a:tr>
               <a:tr h="367665">
                 <a:tc>
                   <a:txBody>
-                    <a:bodyPr/>
-                    <a:lstStyle/>
+                    <a:bodyPr vert="horz" lIns="91440" tIns="45720" rIns="91440" bIns="45720" anchor="t" anchorCtr="0"/>
                     <a:p>
                       <a:pPr algn="ctr">
                         <a:defRPr/>
                       </a:pPr>
                       <a:r>
-                        <a:rPr lang="en-US" altLang="ko-KR" err="1"/>
-                        <a:t>Springboot</a:t>
-                      </a:r>
+                        <a:rPr lang="en-US" altLang="ko-KR"/>
+                        <a:t>Inteli J</a:t>
+                      </a:r>
+                      <a:endParaRPr lang="en-US" altLang="ko-KR"/>
                     </a:p>
                   </a:txBody>
-                  <a:tcPr/>
+                  <a:tcPr marL="91440" marR="91440"/>
                 </a:tc>
                 <a:tc>
                   <a:txBody>
-                    <a:bodyPr/>
-                    <a:lstStyle/>
+                    <a:bodyPr vert="horz" lIns="91440" tIns="45720" rIns="91440" bIns="45720" anchor="t" anchorCtr="0"/>
                     <a:p>
                       <a:pPr algn="ctr">
                         <a:defRPr/>
                       </a:pPr>
                       <a:r>
-                        <a:rPr lang="en-US" altLang="ko-KR" err="1"/>
-                        <a:t>ver</a:t>
-                      </a:r>
-                      <a:r>
                         <a:rPr lang="en-US" altLang="ko-KR"/>
-                        <a:t> 2.6.4</a:t>
-                      </a:r>
+                        <a:t>Ver 2021.3.2</a:t>
+                      </a:r>
+                      <a:endParaRPr lang="en-US" altLang="ko-KR"/>
                     </a:p>
                   </a:txBody>
-                  <a:tcPr/>
+                  <a:tcPr marL="91440" marR="91440"/>
                 </a:tc>
-                <a:extLst>
-                  <a:ext uri="{0D108BD9-81ED-4DB2-BD59-A6C34878D82A}">
-                    <a16:rowId xmlns:a16="http://schemas.microsoft.com/office/drawing/2014/main" val="10010"/>
-                  </a:ext>
-                </a:extLst>
               </a:tr>
               <a:tr h="367665">
                 <a:tc>
                   <a:txBody>
-                    <a:bodyPr/>
-                    <a:lstStyle/>
+                    <a:bodyPr vert="horz" lIns="91440" tIns="45720" rIns="91440" bIns="45720" anchor="t" anchorCtr="0"/>
                     <a:p>
                       <a:pPr algn="ctr">
                         <a:defRPr/>
                       </a:pPr>
                       <a:r>
-                        <a:rPr lang="en-US" altLang="ko-KR" err="1"/>
-                        <a:t>Inteli</a:t>
-                      </a:r>
-                      <a:r>
                         <a:rPr lang="en-US" altLang="ko-KR"/>
-                        <a:t> J</a:t>
-                      </a:r>
+                        <a:t>Jenkins</a:t>
+                      </a:r>
+                      <a:endParaRPr lang="en-US" altLang="ko-KR"/>
                     </a:p>
                   </a:txBody>
-                  <a:tcPr/>
+                  <a:tcPr marL="91440" marR="91440"/>
                 </a:tc>
                 <a:tc>
                   <a:txBody>
-                    <a:bodyPr/>
-                    <a:lstStyle/>
+                    <a:bodyPr vert="horz" lIns="91440" tIns="45720" rIns="91440" bIns="45720" anchor="t" anchorCtr="0"/>
                     <a:p>
-                      <a:pPr algn="ctr"/>
+                      <a:pPr algn="ctr">
+                        <a:defRPr/>
+                      </a:pPr>
                       <a:r>
                         <a:rPr lang="en-US" altLang="ko-KR"/>
-                        <a:t>Ver 2021.3.2</a:t>
-                      </a:r>
+                        <a:t>ver 2.332.1</a:t>
+                      </a:r>
+                      <a:endParaRPr lang="en-US" altLang="ko-KR"/>
                     </a:p>
                   </a:txBody>
-                  <a:tcPr/>
+                  <a:tcPr marL="91440" marR="91440"/>
                 </a:tc>
-                <a:extLst>
-                  <a:ext uri="{0D108BD9-81ED-4DB2-BD59-A6C34878D82A}">
-                    <a16:rowId xmlns:a16="http://schemas.microsoft.com/office/drawing/2014/main" val="10011"/>
-                  </a:ext>
-                </a:extLst>
               </a:tr>
               <a:tr h="367665">
                 <a:tc>
                   <a:txBody>
-                    <a:bodyPr/>
-                    <a:lstStyle/>
+                    <a:bodyPr vert="horz" lIns="91440" tIns="45720" rIns="91440" bIns="45720" anchor="t" anchorCtr="0"/>
                     <a:p>
-                      <a:pPr algn="ctr">
+                      <a:pPr lvl="0" algn="ctr">
+                        <a:buNone/>
                         <a:defRPr/>
                       </a:pPr>
                       <a:r>
                         <a:rPr lang="en-US" altLang="ko-KR"/>
-                        <a:t>Jenkins</a:t>
-                      </a:r>
+                        <a:t>Ubuntu</a:t>
+                      </a:r>
+                      <a:endParaRPr lang="en-US" altLang="ko-KR"/>
                     </a:p>
                   </a:txBody>
-                  <a:tcPr/>
+                  <a:tcPr marL="91440" marR="91440"/>
                 </a:tc>
                 <a:tc>
                   <a:txBody>
-                    <a:bodyPr/>
-                    <a:lstStyle/>
-                    <a:p>
-                      <a:pPr algn="ctr">
-                        <a:defRPr/>
-                      </a:pPr>
-                      <a:r>
-                        <a:rPr lang="en-US" altLang="ko-KR" err="1"/>
-                        <a:t>ver</a:t>
-                      </a:r>
-                      <a:r>
-                        <a:rPr lang="en-US" altLang="ko-KR"/>
-                        <a:t> 2.335</a:t>
-                      </a:r>
-                    </a:p>
-                  </a:txBody>
-                  <a:tcPr/>
-                </a:tc>
-                <a:extLst>
-                  <a:ext uri="{0D108BD9-81ED-4DB2-BD59-A6C34878D82A}">
-                    <a16:rowId xmlns:a16="http://schemas.microsoft.com/office/drawing/2014/main" val="10012"/>
-                  </a:ext>
-                </a:extLst>
-              </a:tr>
-              <a:tr h="367665">
-                <a:tc>
-                  <a:txBody>
-                    <a:bodyPr/>
-                    <a:lstStyle/>
+                    <a:bodyPr vert="horz" lIns="91440" tIns="45720" rIns="91440" bIns="45720" anchor="t" anchorCtr="0"/>
                     <a:p>
                       <a:pPr lvl="0" algn="ctr">
                         <a:buNone/>
+                        <a:defRPr/>
                       </a:pPr>
                       <a:r>
-                        <a:rPr lang="en-US" altLang="ko-KR"/>
-                        <a:t>Ubuntu</a:t>
-                      </a:r>
-                      <a:r>
-                        <a:rPr lang="en-US" sz="1800" b="0" i="0" u="none" strike="noStrike" noProof="0">
-                          <a:latin typeface="Calibri"/>
-                        </a:rPr>
-                        <a:t>(Impish Indri)</a:t>
-                      </a:r>
-                      <a:endParaRPr lang="en-US" altLang="ko-KR"/>
+                        <a:rPr lang="en-US" sz="1800" b="0" i="0" u="none" strike="noStrike"/>
+                        <a:t>ver </a:t>
+                      </a:r>
+                      <a:r>
+                        <a:rPr lang="en-US" altLang="ko-KR" sz="1800" b="0" i="0" u="none" strike="noStrike"/>
+                        <a:t>20.04</a:t>
+                      </a:r>
+                      <a:endParaRPr lang="en-US" altLang="ko-KR" sz="1800" b="0" i="0" u="none" strike="noStrike"/>
                     </a:p>
                   </a:txBody>
-                  <a:tcPr/>
+                  <a:tcPr marL="91440" marR="91440"/>
                 </a:tc>
-                <a:tc>
-                  <a:txBody>
-                    <a:bodyPr/>
-                    <a:lstStyle/>
-                    <a:p>
-                      <a:pPr lvl="0" algn="ctr">
-                        <a:buNone/>
-                      </a:pPr>
-                      <a:r>
-                        <a:rPr lang="en-US" sz="1800" b="0" i="0" u="none" strike="noStrike" noProof="0" err="1"/>
-                        <a:t>ver</a:t>
-                      </a:r>
-                      <a:r>
-                        <a:rPr lang="en-US" sz="1800" b="0" i="0" u="none" strike="noStrike" noProof="0"/>
-                        <a:t> 5.13</a:t>
-                      </a:r>
-                      <a:endParaRPr lang="en-US" altLang="ko-KR" sz="1800" b="0" i="0" u="none" strike="noStrike" noProof="0">
-                        <a:latin typeface="Calibri"/>
-                      </a:endParaRPr>
-                    </a:p>
-                  </a:txBody>
-                  <a:tcPr/>
-                </a:tc>
-                <a:extLst>
-                  <a:ext uri="{0D108BD9-81ED-4DB2-BD59-A6C34878D82A}">
-                    <a16:rowId xmlns:a16="http://schemas.microsoft.com/office/drawing/2014/main" val="658177253"/>
-                  </a:ext>
-                </a:extLst>
               </a:tr>
             </a:tbl>
           </a:graphicData>
@@ -4982,7 +4757,14 @@
   <p:clrMapOvr>
     <a:masterClrMapping/>
   </p:clrMapOvr>
-  <p:transition/>
+  <mc:AlternateContent xmlns:mc="http://schemas.openxmlformats.org/markup-compatibility/2006">
+    <mc:Choice xmlns:p14="http://schemas.microsoft.com/office/powerpoint/2010/main" Requires="p14">
+      <p:transition xmlns:mc="http://schemas.openxmlformats.org/markup-compatibility/2006" xmlns:p14="http://schemas.microsoft.com/office/powerpoint/2010/main" mc:Ignorable="p14" p14:dur="500"/>
+    </mc:Choice>
+    <mc:Fallback>
+      <p:transition/>
+    </mc:Fallback>
+  </mc:AlternateContent>
 </p:sld>
 </file>
 
